--- a/Final_Capstone/Capstone_3_Slide_Deck.pptx
+++ b/Final_Capstone/Capstone_3_Slide_Deck.pptx
@@ -10677,7 +10677,7 @@
         </p:spPr>
         <p:txBody>
           <a:bodyPr anchorCtr="0" anchor="t" bIns="91425" lIns="91425" spcFirstLastPara="1" rIns="91425" wrap="square" tIns="91425">
-            <a:normAutofit fontScale="62500"/>
+            <a:normAutofit fontScale="62500" lnSpcReduction="10000"/>
           </a:bodyPr>
           <a:lstStyle/>
           <a:p>
@@ -10700,7 +10700,7 @@
                   <a:schemeClr val="lt2"/>
                 </a:solidFill>
               </a:rPr>
-              <a:t>The final testing results were compiled in a table and sorted by accuracy for easy comparison (Fig. 8.1). It should be noted here that the results seen in Figure 8.1 are approximately consistent with other runs of the training and testing stages for the deep learning models. For example, some runs of ResNet50’s training achieved a testing accuracy of &gt;72%, but in others it would yield ~62%, as seen in Figure 8.1. The lack of data is likely responsible for the volatility in results, especially in regard to the fine-tuning stages of the transfer learning models. With the addition of more data, one could expect these results to become much more stable.</a:t>
+              <a:t>The results seen here are approximately consistent with other runs of the training and testing stages for the deep learning models. For example, some runs of ResNet50’s training achieved a testing accuracy of &gt;72%, but in others it would yield ~62%, as seen here.</a:t>
             </a:r>
             <a:endParaRPr>
               <a:solidFill>
@@ -10709,6 +10709,62 @@
             </a:endParaRPr>
           </a:p>
           <a:p>
+            <a:pPr indent="-276225" lvl="1" marL="914400" rtl="0" algn="l">
+              <a:spcBef>
+                <a:spcPts val="0"/>
+              </a:spcBef>
+              <a:spcAft>
+                <a:spcPts val="0"/>
+              </a:spcAft>
+              <a:buClr>
+                <a:schemeClr val="lt2"/>
+              </a:buClr>
+              <a:buSzPct val="100000"/>
+              <a:buChar char="○"/>
+            </a:pPr>
+            <a:r>
+              <a:rPr lang="en">
+                <a:solidFill>
+                  <a:schemeClr val="lt2"/>
+                </a:solidFill>
+              </a:rPr>
+              <a:t>A lack of data is likely responsible for the volatility in results, especially in regard to the fine-tuning stages of the transfer learning models.</a:t>
+            </a:r>
+            <a:endParaRPr>
+              <a:solidFill>
+                <a:schemeClr val="lt2"/>
+              </a:solidFill>
+            </a:endParaRPr>
+          </a:p>
+          <a:p>
+            <a:pPr indent="-276225" lvl="1" marL="914400" rtl="0" algn="l">
+              <a:spcBef>
+                <a:spcPts val="0"/>
+              </a:spcBef>
+              <a:spcAft>
+                <a:spcPts val="0"/>
+              </a:spcAft>
+              <a:buClr>
+                <a:schemeClr val="lt2"/>
+              </a:buClr>
+              <a:buSzPct val="100000"/>
+              <a:buChar char="○"/>
+            </a:pPr>
+            <a:r>
+              <a:rPr lang="en">
+                <a:solidFill>
+                  <a:schemeClr val="lt2"/>
+                </a:solidFill>
+              </a:rPr>
+              <a:t>With the addition of more data, one could expect these results to become much more stable.</a:t>
+            </a:r>
+            <a:endParaRPr>
+              <a:solidFill>
+                <a:schemeClr val="lt2"/>
+              </a:solidFill>
+            </a:endParaRPr>
+          </a:p>
+          <a:p>
             <a:pPr indent="-284162" lvl="0" marL="457200" rtl="0" algn="l">
               <a:spcBef>
                 <a:spcPts val="0"/>
@@ -10728,7 +10784,147 @@
                   <a:schemeClr val="lt2"/>
                 </a:solidFill>
               </a:rPr>
-              <a:t>On average, the deep learning models performed a little worse than the best classical models, with some transfer learning models occasionally testing in the 70-75% accuracy range. MobileNetV2 and ResNet50 were frequently jumping up in testing accuracy and would therefore be my main suggestions for models to train with more data. The custom CNN was performing more consistently than the others, due to the lack of a fine-tuning stage as with the transfer learning models. The accuracy of the custom CNN would therefore probably continue to improve steadily with the addition of more data and may prove to be a helpful addition to an ensemble approach, depending on results. The XGBoost and Support Vector Machine classifiers should be trained on more data as well, in order to serve as a baseline for comparison with deep learning models as they are developed. Finally, the deployed model(s) should be continually updated, training on new data when available.</a:t>
+              <a:t>On average, the deep learning models performed a little worse than the best classical models, with some transfer learning models occasionally testing in the 70-75% accuracy range.</a:t>
+            </a:r>
+            <a:endParaRPr>
+              <a:solidFill>
+                <a:schemeClr val="lt2"/>
+              </a:solidFill>
+            </a:endParaRPr>
+          </a:p>
+          <a:p>
+            <a:pPr indent="-284162" lvl="0" marL="457200" rtl="0" algn="l">
+              <a:spcBef>
+                <a:spcPts val="0"/>
+              </a:spcBef>
+              <a:spcAft>
+                <a:spcPts val="0"/>
+              </a:spcAft>
+              <a:buClr>
+                <a:schemeClr val="lt2"/>
+              </a:buClr>
+              <a:buSzPct val="100000"/>
+              <a:buChar char="●"/>
+            </a:pPr>
+            <a:r>
+              <a:rPr lang="en">
+                <a:solidFill>
+                  <a:schemeClr val="lt2"/>
+                </a:solidFill>
+              </a:rPr>
+              <a:t>MobileNetV2 and ResNet50 were frequently jumping up in testing accuracy and would therefore be my main suggestions for models to train with more data.</a:t>
+            </a:r>
+            <a:endParaRPr>
+              <a:solidFill>
+                <a:schemeClr val="lt2"/>
+              </a:solidFill>
+            </a:endParaRPr>
+          </a:p>
+          <a:p>
+            <a:pPr indent="-284162" lvl="0" marL="457200" rtl="0" algn="l">
+              <a:spcBef>
+                <a:spcPts val="0"/>
+              </a:spcBef>
+              <a:spcAft>
+                <a:spcPts val="0"/>
+              </a:spcAft>
+              <a:buClr>
+                <a:schemeClr val="lt2"/>
+              </a:buClr>
+              <a:buSzPct val="100000"/>
+              <a:buChar char="●"/>
+            </a:pPr>
+            <a:r>
+              <a:rPr lang="en">
+                <a:solidFill>
+                  <a:schemeClr val="lt2"/>
+                </a:solidFill>
+              </a:rPr>
+              <a:t>The custom CNN was performing more consistently than the others, due to the lack of a fine-tuning stage as with the transfer learning models.</a:t>
+            </a:r>
+            <a:endParaRPr>
+              <a:solidFill>
+                <a:schemeClr val="lt2"/>
+              </a:solidFill>
+            </a:endParaRPr>
+          </a:p>
+          <a:p>
+            <a:pPr indent="-276225" lvl="1" marL="914400" rtl="0" algn="l">
+              <a:spcBef>
+                <a:spcPts val="0"/>
+              </a:spcBef>
+              <a:spcAft>
+                <a:spcPts val="0"/>
+              </a:spcAft>
+              <a:buClr>
+                <a:schemeClr val="lt2"/>
+              </a:buClr>
+              <a:buSzPct val="100000"/>
+              <a:buChar char="○"/>
+            </a:pPr>
+            <a:r>
+              <a:rPr lang="en">
+                <a:solidFill>
+                  <a:schemeClr val="lt2"/>
+                </a:solidFill>
+              </a:rPr>
+              <a:t>The accuracy of the custom CNN would probably continue to improve steadily with the addition of more data and may be a helpful addition to an ensemble approach, depending on performance.</a:t>
+            </a:r>
+            <a:endParaRPr>
+              <a:solidFill>
+                <a:schemeClr val="lt2"/>
+              </a:solidFill>
+            </a:endParaRPr>
+          </a:p>
+          <a:p>
+            <a:pPr indent="-284162" lvl="0" marL="457200" rtl="0" algn="l">
+              <a:spcBef>
+                <a:spcPts val="0"/>
+              </a:spcBef>
+              <a:spcAft>
+                <a:spcPts val="0"/>
+              </a:spcAft>
+              <a:buClr>
+                <a:schemeClr val="lt2"/>
+              </a:buClr>
+              <a:buSzPct val="100000"/>
+              <a:buChar char="●"/>
+            </a:pPr>
+            <a:r>
+              <a:rPr lang="en">
+                <a:solidFill>
+                  <a:schemeClr val="lt2"/>
+                </a:solidFill>
+              </a:rPr>
+              <a:t>As our ‘best’ classical models, the XGBoost and Support Vector Machine classifiers should be trained on more data to serve as a baseline for comparison with deep learning models as they are developed.</a:t>
+            </a:r>
+            <a:endParaRPr>
+              <a:solidFill>
+                <a:schemeClr val="lt2"/>
+              </a:solidFill>
+            </a:endParaRPr>
+          </a:p>
+          <a:p>
+            <a:pPr indent="-284162" lvl="0" marL="457200" rtl="0" algn="l">
+              <a:spcBef>
+                <a:spcPts val="0"/>
+              </a:spcBef>
+              <a:spcAft>
+                <a:spcPts val="0"/>
+              </a:spcAft>
+              <a:buClr>
+                <a:schemeClr val="lt2"/>
+              </a:buClr>
+              <a:buSzPct val="100000"/>
+              <a:buChar char="●"/>
+            </a:pPr>
+            <a:r>
+              <a:rPr lang="en">
+                <a:solidFill>
+                  <a:schemeClr val="lt2"/>
+                </a:solidFill>
+              </a:rPr>
+              <a:t>Finally, the deployed model(s) should be continually updated, training on new, labeled data when available.</a:t>
             </a:r>
             <a:endParaRPr>
               <a:solidFill>
@@ -10851,11 +11047,11 @@
         </p:spPr>
         <p:txBody>
           <a:bodyPr anchorCtr="0" anchor="t" bIns="91425" lIns="91425" spcFirstLastPara="1" rIns="91425" wrap="square" tIns="91425">
-            <a:normAutofit fontScale="77500" lnSpcReduction="20000"/>
+            <a:normAutofit fontScale="70000" lnSpcReduction="20000"/>
           </a:bodyPr>
           <a:lstStyle/>
           <a:p>
-            <a:pPr indent="-322103" lvl="0" marL="457200" rtl="0" algn="l">
+            <a:pPr indent="-313055" lvl="0" marL="457200" rtl="0" algn="l">
               <a:spcBef>
                 <a:spcPts val="0"/>
               </a:spcBef>
@@ -10874,7 +11070,7 @@
                   <a:schemeClr val="lt2"/>
                 </a:solidFill>
               </a:rPr>
-              <a:t>Certainly the main restriction in performance for these models is the lack of available data. Particularly for the neural networks, 1000 samples is not enough data to train on to develop a comprehensive model which can sufficiently classify songs across 10 genres. In the 20+ years since the GTZAN dataset was collected, the amount of genre-labeled music available online has increased exponentially. If a music-streaming platform were to develop deep learning models for this purpose, they would have access to millions of songs, rather than 1000. So, in practice, the CNN or transfer learning approaches would probably prove most effective. Specifically, if a number of models are trained, each performing better than the others on certain genres, an ensemble method which classifies by a weighted majority vote across models would most likely be the optimal solution.</a:t>
+              <a:t>Certainly the main restriction in performance for these models is the lack of available data. </a:t>
             </a:r>
             <a:endParaRPr sz="1900">
               <a:solidFill>
@@ -10883,7 +11079,119 @@
             </a:endParaRPr>
           </a:p>
           <a:p>
-            <a:pPr indent="-322103" lvl="0" marL="457200" rtl="0" algn="l">
+            <a:pPr indent="-313055" lvl="1" marL="914400" rtl="0" algn="l">
+              <a:spcBef>
+                <a:spcPts val="0"/>
+              </a:spcBef>
+              <a:spcAft>
+                <a:spcPts val="0"/>
+              </a:spcAft>
+              <a:buClr>
+                <a:schemeClr val="lt2"/>
+              </a:buClr>
+              <a:buSzPct val="100000"/>
+              <a:buAutoNum type="alphaLcPeriod"/>
+            </a:pPr>
+            <a:r>
+              <a:rPr lang="en" sz="1900">
+                <a:solidFill>
+                  <a:schemeClr val="lt2"/>
+                </a:solidFill>
+              </a:rPr>
+              <a:t>Particularly for the neural networks, 1000 samples is not enough data to train on to develop a comprehensive model which can sufficiently classify songs across 10 genres.</a:t>
+            </a:r>
+            <a:endParaRPr sz="1900">
+              <a:solidFill>
+                <a:schemeClr val="lt2"/>
+              </a:solidFill>
+            </a:endParaRPr>
+          </a:p>
+          <a:p>
+            <a:pPr indent="-313055" lvl="1" marL="914400" rtl="0" algn="l">
+              <a:spcBef>
+                <a:spcPts val="0"/>
+              </a:spcBef>
+              <a:spcAft>
+                <a:spcPts val="0"/>
+              </a:spcAft>
+              <a:buClr>
+                <a:schemeClr val="lt2"/>
+              </a:buClr>
+              <a:buSzPct val="100000"/>
+              <a:buAutoNum type="alphaLcPeriod"/>
+            </a:pPr>
+            <a:r>
+              <a:rPr lang="en" sz="1900">
+                <a:solidFill>
+                  <a:schemeClr val="lt2"/>
+                </a:solidFill>
+              </a:rPr>
+              <a:t>In the 20+ years since the GTZAN dataset was collected, the amount of genre-labeled music available online has increased exponentially. If a music-streaming platform were to develop deep learning models for this purpose, they would have access to millions of songs, rather than 1000.</a:t>
+            </a:r>
+            <a:endParaRPr sz="1900">
+              <a:solidFill>
+                <a:schemeClr val="lt2"/>
+              </a:solidFill>
+            </a:endParaRPr>
+          </a:p>
+          <a:p>
+            <a:pPr indent="-313055" lvl="2" marL="1371600" rtl="0" algn="l">
+              <a:spcBef>
+                <a:spcPts val="0"/>
+              </a:spcBef>
+              <a:spcAft>
+                <a:spcPts val="0"/>
+              </a:spcAft>
+              <a:buClr>
+                <a:schemeClr val="lt2"/>
+              </a:buClr>
+              <a:buSzPct val="100000"/>
+              <a:buAutoNum type="romanLcPeriod"/>
+            </a:pPr>
+            <a:r>
+              <a:rPr lang="en" sz="1900">
+                <a:solidFill>
+                  <a:schemeClr val="lt2"/>
+                </a:solidFill>
+              </a:rPr>
+              <a:t>So, in practice, the CNN or transfer learning approaches would probably prove most effective. </a:t>
+            </a:r>
+            <a:endParaRPr sz="1900">
+              <a:solidFill>
+                <a:schemeClr val="lt2"/>
+              </a:solidFill>
+            </a:endParaRPr>
+          </a:p>
+          <a:p>
+            <a:pPr indent="-313055" lvl="2" marL="1371600" rtl="0" algn="l">
+              <a:spcBef>
+                <a:spcPts val="0"/>
+              </a:spcBef>
+              <a:spcAft>
+                <a:spcPts val="0"/>
+              </a:spcAft>
+              <a:buClr>
+                <a:schemeClr val="lt2"/>
+              </a:buClr>
+              <a:buSzPct val="100000"/>
+              <a:buAutoNum type="romanLcPeriod"/>
+            </a:pPr>
+            <a:r>
+              <a:rPr lang="en" sz="1900">
+                <a:solidFill>
+                  <a:schemeClr val="lt2"/>
+                </a:solidFill>
+              </a:rPr>
+              <a:t>Specifically, if multiple models are trained, each performing better than the others on certain genres, an ensemble method which classifies by a weighted majority vote based on genre performance would most likely be the optimal solution.</a:t>
+            </a:r>
+            <a:endParaRPr sz="1900">
+              <a:solidFill>
+                <a:schemeClr val="lt2"/>
+              </a:solidFill>
+            </a:endParaRPr>
+          </a:p>
+          <a:p>
+            <a:pPr indent="-313055" lvl="0" marL="457200" rtl="0" algn="l">
               <a:spcBef>
                 <a:spcPts val="0"/>
               </a:spcBef>
@@ -10903,6 +11211,34 @@
                 </a:solidFill>
               </a:rPr>
               <a:t>Aside from gathering more data, the project could be improved simply by splitting the data we do have into smaller samples which would be trained on, then classified by majority vote in prediction. One way of doing this would be to split the 30-second song clips into smaller, 10-second clips in preprocessing stages. This process would triple the amount of available samples to train and predict on, which would almost definitely result in more accurate predictions.</a:t>
+            </a:r>
+            <a:endParaRPr sz="1900">
+              <a:solidFill>
+                <a:schemeClr val="lt2"/>
+              </a:solidFill>
+            </a:endParaRPr>
+          </a:p>
+          <a:p>
+            <a:pPr indent="-313055" lvl="1" marL="914400" rtl="0" algn="l">
+              <a:spcBef>
+                <a:spcPts val="0"/>
+              </a:spcBef>
+              <a:spcAft>
+                <a:spcPts val="0"/>
+              </a:spcAft>
+              <a:buClr>
+                <a:schemeClr val="lt2"/>
+              </a:buClr>
+              <a:buSzPct val="100000"/>
+              <a:buAutoNum type="alphaLcPeriod"/>
+            </a:pPr>
+            <a:r>
+              <a:rPr lang="en" sz="1900">
+                <a:solidFill>
+                  <a:schemeClr val="lt2"/>
+                </a:solidFill>
+              </a:rPr>
+              <a:t>Could also split 30-second clips into 3-second clips, for a 10X increase in available samples.</a:t>
             </a:r>
             <a:endParaRPr sz="1900">
               <a:solidFill>
@@ -13426,6 +13762,285 @@
 </file>
 
 <file path=ppt/theme/theme1.xml><?xml version="1.0" encoding="utf-8"?>
+<a:theme xmlns:a="http://schemas.openxmlformats.org/drawingml/2006/main" xmlns:r="http://schemas.openxmlformats.org/officeDocument/2006/relationships" name="Slate">
+  <a:themeElements>
+    <a:clrScheme name="Slate">
+      <a:dk1>
+        <a:srgbClr val="FFFFFF"/>
+      </a:dk1>
+      <a:lt1>
+        <a:srgbClr val="37474F"/>
+      </a:lt1>
+      <a:dk2>
+        <a:srgbClr val="9E9E9E"/>
+      </a:dk2>
+      <a:lt2>
+        <a:srgbClr val="E0E0E0"/>
+      </a:lt2>
+      <a:accent1>
+        <a:srgbClr val="616161"/>
+      </a:accent1>
+      <a:accent2>
+        <a:srgbClr val="78909C"/>
+      </a:accent2>
+      <a:accent3>
+        <a:srgbClr val="CACACA"/>
+      </a:accent3>
+      <a:accent4>
+        <a:srgbClr val="64FFDA"/>
+      </a:accent4>
+      <a:accent5>
+        <a:srgbClr val="FFD966"/>
+      </a:accent5>
+      <a:accent6>
+        <a:srgbClr val="F5F5F5"/>
+      </a:accent6>
+      <a:hlink>
+        <a:srgbClr val="FFD966"/>
+      </a:hlink>
+      <a:folHlink>
+        <a:srgbClr val="FFD966"/>
+      </a:folHlink>
+    </a:clrScheme>
+    <a:fontScheme name="Office">
+      <a:majorFont>
+        <a:latin typeface="Arial"/>
+        <a:ea typeface=""/>
+        <a:cs typeface=""/>
+        <a:font script="Jpan" typeface="ＭＳ Ｐゴシック"/>
+        <a:font script="Hang" typeface="맑은 고딕"/>
+        <a:font script="Hans" typeface="宋体"/>
+        <a:font script="Hant" typeface="新細明體"/>
+        <a:font script="Arab" typeface="Times New Roman"/>
+        <a:font script="Hebr" typeface="Times New Roman"/>
+        <a:font script="Thai" typeface="Angsana New"/>
+        <a:font script="Ethi" typeface="Nyala"/>
+        <a:font script="Beng" typeface="Vrinda"/>
+        <a:font script="Gujr" typeface="Shruti"/>
+        <a:font script="Khmr" typeface="MoolBoran"/>
+        <a:font script="Knda" typeface="Tunga"/>
+        <a:font script="Guru" typeface="Raavi"/>
+        <a:font script="Cans" typeface="Euphemia"/>
+        <a:font script="Cher" typeface="Plantagenet Cherokee"/>
+        <a:font script="Yiii" typeface="Microsoft Yi Baiti"/>
+        <a:font script="Tibt" typeface="Microsoft Himalaya"/>
+        <a:font script="Thaa" typeface="MV Boli"/>
+        <a:font script="Deva" typeface="Mangal"/>
+        <a:font script="Telu" typeface="Gautami"/>
+        <a:font script="Taml" typeface="Latha"/>
+        <a:font script="Syrc" typeface="Estrangelo Edessa"/>
+        <a:font script="Orya" typeface="Kalinga"/>
+        <a:font script="Mlym" typeface="Kartika"/>
+        <a:font script="Laoo" typeface="DokChampa"/>
+        <a:font script="Sinh" typeface="Iskoola Pota"/>
+        <a:font script="Mong" typeface="Mongolian Baiti"/>
+        <a:font script="Viet" typeface="Times New Roman"/>
+        <a:font script="Uigh" typeface="Microsoft Uighur"/>
+        <a:font script="Geor" typeface="Sylfaen"/>
+      </a:majorFont>
+      <a:minorFont>
+        <a:latin typeface="Arial"/>
+        <a:ea typeface=""/>
+        <a:cs typeface=""/>
+        <a:font script="Jpan" typeface="ＭＳ Ｐゴシック"/>
+        <a:font script="Hang" typeface="맑은 고딕"/>
+        <a:font script="Hans" typeface="宋体"/>
+        <a:font script="Hant" typeface="新細明體"/>
+        <a:font script="Arab" typeface="Arial"/>
+        <a:font script="Hebr" typeface="Arial"/>
+        <a:font script="Thai" typeface="Cordia New"/>
+        <a:font script="Ethi" typeface="Nyala"/>
+        <a:font script="Beng" typeface="Vrinda"/>
+        <a:font script="Gujr" typeface="Shruti"/>
+        <a:font script="Khmr" typeface="DaunPenh"/>
+        <a:font script="Knda" typeface="Tunga"/>
+        <a:font script="Guru" typeface="Raavi"/>
+        <a:font script="Cans" typeface="Euphemia"/>
+        <a:font script="Cher" typeface="Plantagenet Cherokee"/>
+        <a:font script="Yiii" typeface="Microsoft Yi Baiti"/>
+        <a:font script="Tibt" typeface="Microsoft Himalaya"/>
+        <a:font script="Thaa" typeface="MV Boli"/>
+        <a:font script="Deva" typeface="Mangal"/>
+        <a:font script="Telu" typeface="Gautami"/>
+        <a:font script="Taml" typeface="Latha"/>
+        <a:font script="Syrc" typeface="Estrangelo Edessa"/>
+        <a:font script="Orya" typeface="Kalinga"/>
+        <a:font script="Mlym" typeface="Kartika"/>
+        <a:font script="Laoo" typeface="DokChampa"/>
+        <a:font script="Sinh" typeface="Iskoola Pota"/>
+        <a:font script="Mong" typeface="Mongolian Baiti"/>
+        <a:font script="Viet" typeface="Arial"/>
+        <a:font script="Uigh" typeface="Microsoft Uighur"/>
+        <a:font script="Geor" typeface="Sylfaen"/>
+      </a:minorFont>
+    </a:fontScheme>
+    <a:fmtScheme name="Office">
+      <a:fillStyleLst>
+        <a:solidFill>
+          <a:schemeClr val="phClr"/>
+        </a:solidFill>
+        <a:gradFill rotWithShape="1">
+          <a:gsLst>
+            <a:gs pos="0">
+              <a:schemeClr val="phClr">
+                <a:tint val="50000"/>
+                <a:satMod val="300000"/>
+              </a:schemeClr>
+            </a:gs>
+            <a:gs pos="35000">
+              <a:schemeClr val="phClr">
+                <a:tint val="37000"/>
+                <a:satMod val="300000"/>
+              </a:schemeClr>
+            </a:gs>
+            <a:gs pos="100000">
+              <a:schemeClr val="phClr">
+                <a:tint val="15000"/>
+                <a:satMod val="350000"/>
+              </a:schemeClr>
+            </a:gs>
+          </a:gsLst>
+          <a:lin ang="16200000" scaled="1"/>
+        </a:gradFill>
+        <a:gradFill rotWithShape="1">
+          <a:gsLst>
+            <a:gs pos="0">
+              <a:schemeClr val="phClr">
+                <a:tint val="100000"/>
+                <a:shade val="100000"/>
+                <a:satMod val="130000"/>
+              </a:schemeClr>
+            </a:gs>
+            <a:gs pos="100000">
+              <a:schemeClr val="phClr">
+                <a:tint val="50000"/>
+                <a:shade val="100000"/>
+                <a:satMod val="350000"/>
+              </a:schemeClr>
+            </a:gs>
+          </a:gsLst>
+          <a:lin ang="16200000" scaled="0"/>
+        </a:gradFill>
+      </a:fillStyleLst>
+      <a:lnStyleLst>
+        <a:ln w="9525" cap="flat" cmpd="sng" algn="ctr">
+          <a:solidFill>
+            <a:schemeClr val="phClr">
+              <a:shade val="95000"/>
+              <a:satMod val="105000"/>
+            </a:schemeClr>
+          </a:solidFill>
+          <a:prstDash val="solid"/>
+        </a:ln>
+        <a:ln w="25400" cap="flat" cmpd="sng" algn="ctr">
+          <a:solidFill>
+            <a:schemeClr val="phClr"/>
+          </a:solidFill>
+          <a:prstDash val="solid"/>
+        </a:ln>
+        <a:ln w="38100" cap="flat" cmpd="sng" algn="ctr">
+          <a:solidFill>
+            <a:schemeClr val="phClr"/>
+          </a:solidFill>
+          <a:prstDash val="solid"/>
+        </a:ln>
+      </a:lnStyleLst>
+      <a:effectStyleLst>
+        <a:effectStyle>
+          <a:effectLst>
+            <a:outerShdw blurRad="40000" dist="20000" dir="5400000" rotWithShape="0">
+              <a:srgbClr val="000000">
+                <a:alpha val="38000"/>
+              </a:srgbClr>
+            </a:outerShdw>
+          </a:effectLst>
+        </a:effectStyle>
+        <a:effectStyle>
+          <a:effectLst>
+            <a:outerShdw blurRad="40000" dist="23000" dir="5400000" rotWithShape="0">
+              <a:srgbClr val="000000">
+                <a:alpha val="35000"/>
+              </a:srgbClr>
+            </a:outerShdw>
+          </a:effectLst>
+        </a:effectStyle>
+        <a:effectStyle>
+          <a:effectLst>
+            <a:outerShdw blurRad="40000" dist="23000" dir="5400000" rotWithShape="0">
+              <a:srgbClr val="000000">
+                <a:alpha val="35000"/>
+              </a:srgbClr>
+            </a:outerShdw>
+          </a:effectLst>
+          <a:scene3d>
+            <a:camera prst="orthographicFront">
+              <a:rot lat="0" lon="0" rev="0"/>
+            </a:camera>
+            <a:lightRig rig="threePt" dir="t">
+              <a:rot lat="0" lon="0" rev="1200000"/>
+            </a:lightRig>
+          </a:scene3d>
+          <a:sp3d>
+            <a:bevelT w="63500" h="25400"/>
+          </a:sp3d>
+        </a:effectStyle>
+      </a:effectStyleLst>
+      <a:bgFillStyleLst>
+        <a:solidFill>
+          <a:schemeClr val="phClr"/>
+        </a:solidFill>
+        <a:gradFill rotWithShape="1">
+          <a:gsLst>
+            <a:gs pos="0">
+              <a:schemeClr val="phClr">
+                <a:tint val="40000"/>
+                <a:satMod val="350000"/>
+              </a:schemeClr>
+            </a:gs>
+            <a:gs pos="40000">
+              <a:schemeClr val="phClr">
+                <a:tint val="45000"/>
+                <a:shade val="99000"/>
+                <a:satMod val="350000"/>
+              </a:schemeClr>
+            </a:gs>
+            <a:gs pos="100000">
+              <a:schemeClr val="phClr">
+                <a:shade val="20000"/>
+                <a:satMod val="255000"/>
+              </a:schemeClr>
+            </a:gs>
+          </a:gsLst>
+          <a:path path="circle">
+            <a:fillToRect l="50000" t="-80000" r="50000" b="180000"/>
+          </a:path>
+        </a:gradFill>
+        <a:gradFill rotWithShape="1">
+          <a:gsLst>
+            <a:gs pos="0">
+              <a:schemeClr val="phClr">
+                <a:tint val="80000"/>
+                <a:satMod val="300000"/>
+              </a:schemeClr>
+            </a:gs>
+            <a:gs pos="100000">
+              <a:schemeClr val="phClr">
+                <a:shade val="30000"/>
+                <a:satMod val="200000"/>
+              </a:schemeClr>
+            </a:gs>
+          </a:gsLst>
+          <a:path path="circle">
+            <a:fillToRect l="50000" t="50000" r="50000" b="50000"/>
+          </a:path>
+        </a:gradFill>
+      </a:bgFillStyleLst>
+    </a:fmtScheme>
+  </a:themeElements>
+</a:theme>
+</file>
+
+<file path=ppt/theme/theme2.xml><?xml version="1.0" encoding="utf-8"?>
 <a:theme xmlns:a="http://schemas.openxmlformats.org/drawingml/2006/main" xmlns:r="http://schemas.openxmlformats.org/officeDocument/2006/relationships">
   <a:themeElements>
     <a:clrScheme name="Default">
@@ -13702,283 +14317,4 @@
     </a:fmtScheme>
   </a:themeElements>
 </a:theme>
-</file>
-
-<file path=ppt/theme/theme2.xml><?xml version="1.0" encoding="utf-8"?>
-<a:theme xmlns:a="http://schemas.openxmlformats.org/drawingml/2006/main" xmlns:r="http://schemas.openxmlformats.org/officeDocument/2006/relationships" name="Slate">
-  <a:themeElements>
-    <a:clrScheme name="Slate">
-      <a:dk1>
-        <a:srgbClr val="FFFFFF"/>
-      </a:dk1>
-      <a:lt1>
-        <a:srgbClr val="37474F"/>
-      </a:lt1>
-      <a:dk2>
-        <a:srgbClr val="9E9E9E"/>
-      </a:dk2>
-      <a:lt2>
-        <a:srgbClr val="E0E0E0"/>
-      </a:lt2>
-      <a:accent1>
-        <a:srgbClr val="616161"/>
-      </a:accent1>
-      <a:accent2>
-        <a:srgbClr val="78909C"/>
-      </a:accent2>
-      <a:accent3>
-        <a:srgbClr val="CACACA"/>
-      </a:accent3>
-      <a:accent4>
-        <a:srgbClr val="64FFDA"/>
-      </a:accent4>
-      <a:accent5>
-        <a:srgbClr val="FFD966"/>
-      </a:accent5>
-      <a:accent6>
-        <a:srgbClr val="F5F5F5"/>
-      </a:accent6>
-      <a:hlink>
-        <a:srgbClr val="FFD966"/>
-      </a:hlink>
-      <a:folHlink>
-        <a:srgbClr val="FFD966"/>
-      </a:folHlink>
-    </a:clrScheme>
-    <a:fontScheme name="Office">
-      <a:majorFont>
-        <a:latin typeface="Arial"/>
-        <a:ea typeface=""/>
-        <a:cs typeface=""/>
-        <a:font script="Jpan" typeface="ＭＳ Ｐゴシック"/>
-        <a:font script="Hang" typeface="맑은 고딕"/>
-        <a:font script="Hans" typeface="宋体"/>
-        <a:font script="Hant" typeface="新細明體"/>
-        <a:font script="Arab" typeface="Times New Roman"/>
-        <a:font script="Hebr" typeface="Times New Roman"/>
-        <a:font script="Thai" typeface="Angsana New"/>
-        <a:font script="Ethi" typeface="Nyala"/>
-        <a:font script="Beng" typeface="Vrinda"/>
-        <a:font script="Gujr" typeface="Shruti"/>
-        <a:font script="Khmr" typeface="MoolBoran"/>
-        <a:font script="Knda" typeface="Tunga"/>
-        <a:font script="Guru" typeface="Raavi"/>
-        <a:font script="Cans" typeface="Euphemia"/>
-        <a:font script="Cher" typeface="Plantagenet Cherokee"/>
-        <a:font script="Yiii" typeface="Microsoft Yi Baiti"/>
-        <a:font script="Tibt" typeface="Microsoft Himalaya"/>
-        <a:font script="Thaa" typeface="MV Boli"/>
-        <a:font script="Deva" typeface="Mangal"/>
-        <a:font script="Telu" typeface="Gautami"/>
-        <a:font script="Taml" typeface="Latha"/>
-        <a:font script="Syrc" typeface="Estrangelo Edessa"/>
-        <a:font script="Orya" typeface="Kalinga"/>
-        <a:font script="Mlym" typeface="Kartika"/>
-        <a:font script="Laoo" typeface="DokChampa"/>
-        <a:font script="Sinh" typeface="Iskoola Pota"/>
-        <a:font script="Mong" typeface="Mongolian Baiti"/>
-        <a:font script="Viet" typeface="Times New Roman"/>
-        <a:font script="Uigh" typeface="Microsoft Uighur"/>
-        <a:font script="Geor" typeface="Sylfaen"/>
-      </a:majorFont>
-      <a:minorFont>
-        <a:latin typeface="Arial"/>
-        <a:ea typeface=""/>
-        <a:cs typeface=""/>
-        <a:font script="Jpan" typeface="ＭＳ Ｐゴシック"/>
-        <a:font script="Hang" typeface="맑은 고딕"/>
-        <a:font script="Hans" typeface="宋体"/>
-        <a:font script="Hant" typeface="新細明體"/>
-        <a:font script="Arab" typeface="Arial"/>
-        <a:font script="Hebr" typeface="Arial"/>
-        <a:font script="Thai" typeface="Cordia New"/>
-        <a:font script="Ethi" typeface="Nyala"/>
-        <a:font script="Beng" typeface="Vrinda"/>
-        <a:font script="Gujr" typeface="Shruti"/>
-        <a:font script="Khmr" typeface="DaunPenh"/>
-        <a:font script="Knda" typeface="Tunga"/>
-        <a:font script="Guru" typeface="Raavi"/>
-        <a:font script="Cans" typeface="Euphemia"/>
-        <a:font script="Cher" typeface="Plantagenet Cherokee"/>
-        <a:font script="Yiii" typeface="Microsoft Yi Baiti"/>
-        <a:font script="Tibt" typeface="Microsoft Himalaya"/>
-        <a:font script="Thaa" typeface="MV Boli"/>
-        <a:font script="Deva" typeface="Mangal"/>
-        <a:font script="Telu" typeface="Gautami"/>
-        <a:font script="Taml" typeface="Latha"/>
-        <a:font script="Syrc" typeface="Estrangelo Edessa"/>
-        <a:font script="Orya" typeface="Kalinga"/>
-        <a:font script="Mlym" typeface="Kartika"/>
-        <a:font script="Laoo" typeface="DokChampa"/>
-        <a:font script="Sinh" typeface="Iskoola Pota"/>
-        <a:font script="Mong" typeface="Mongolian Baiti"/>
-        <a:font script="Viet" typeface="Arial"/>
-        <a:font script="Uigh" typeface="Microsoft Uighur"/>
-        <a:font script="Geor" typeface="Sylfaen"/>
-      </a:minorFont>
-    </a:fontScheme>
-    <a:fmtScheme name="Office">
-      <a:fillStyleLst>
-        <a:solidFill>
-          <a:schemeClr val="phClr"/>
-        </a:solidFill>
-        <a:gradFill rotWithShape="1">
-          <a:gsLst>
-            <a:gs pos="0">
-              <a:schemeClr val="phClr">
-                <a:tint val="50000"/>
-                <a:satMod val="300000"/>
-              </a:schemeClr>
-            </a:gs>
-            <a:gs pos="35000">
-              <a:schemeClr val="phClr">
-                <a:tint val="37000"/>
-                <a:satMod val="300000"/>
-              </a:schemeClr>
-            </a:gs>
-            <a:gs pos="100000">
-              <a:schemeClr val="phClr">
-                <a:tint val="15000"/>
-                <a:satMod val="350000"/>
-              </a:schemeClr>
-            </a:gs>
-          </a:gsLst>
-          <a:lin ang="16200000" scaled="1"/>
-        </a:gradFill>
-        <a:gradFill rotWithShape="1">
-          <a:gsLst>
-            <a:gs pos="0">
-              <a:schemeClr val="phClr">
-                <a:tint val="100000"/>
-                <a:shade val="100000"/>
-                <a:satMod val="130000"/>
-              </a:schemeClr>
-            </a:gs>
-            <a:gs pos="100000">
-              <a:schemeClr val="phClr">
-                <a:tint val="50000"/>
-                <a:shade val="100000"/>
-                <a:satMod val="350000"/>
-              </a:schemeClr>
-            </a:gs>
-          </a:gsLst>
-          <a:lin ang="16200000" scaled="0"/>
-        </a:gradFill>
-      </a:fillStyleLst>
-      <a:lnStyleLst>
-        <a:ln w="9525" cap="flat" cmpd="sng" algn="ctr">
-          <a:solidFill>
-            <a:schemeClr val="phClr">
-              <a:shade val="95000"/>
-              <a:satMod val="105000"/>
-            </a:schemeClr>
-          </a:solidFill>
-          <a:prstDash val="solid"/>
-        </a:ln>
-        <a:ln w="25400" cap="flat" cmpd="sng" algn="ctr">
-          <a:solidFill>
-            <a:schemeClr val="phClr"/>
-          </a:solidFill>
-          <a:prstDash val="solid"/>
-        </a:ln>
-        <a:ln w="38100" cap="flat" cmpd="sng" algn="ctr">
-          <a:solidFill>
-            <a:schemeClr val="phClr"/>
-          </a:solidFill>
-          <a:prstDash val="solid"/>
-        </a:ln>
-      </a:lnStyleLst>
-      <a:effectStyleLst>
-        <a:effectStyle>
-          <a:effectLst>
-            <a:outerShdw blurRad="40000" dist="20000" dir="5400000" rotWithShape="0">
-              <a:srgbClr val="000000">
-                <a:alpha val="38000"/>
-              </a:srgbClr>
-            </a:outerShdw>
-          </a:effectLst>
-        </a:effectStyle>
-        <a:effectStyle>
-          <a:effectLst>
-            <a:outerShdw blurRad="40000" dist="23000" dir="5400000" rotWithShape="0">
-              <a:srgbClr val="000000">
-                <a:alpha val="35000"/>
-              </a:srgbClr>
-            </a:outerShdw>
-          </a:effectLst>
-        </a:effectStyle>
-        <a:effectStyle>
-          <a:effectLst>
-            <a:outerShdw blurRad="40000" dist="23000" dir="5400000" rotWithShape="0">
-              <a:srgbClr val="000000">
-                <a:alpha val="35000"/>
-              </a:srgbClr>
-            </a:outerShdw>
-          </a:effectLst>
-          <a:scene3d>
-            <a:camera prst="orthographicFront">
-              <a:rot lat="0" lon="0" rev="0"/>
-            </a:camera>
-            <a:lightRig rig="threePt" dir="t">
-              <a:rot lat="0" lon="0" rev="1200000"/>
-            </a:lightRig>
-          </a:scene3d>
-          <a:sp3d>
-            <a:bevelT w="63500" h="25400"/>
-          </a:sp3d>
-        </a:effectStyle>
-      </a:effectStyleLst>
-      <a:bgFillStyleLst>
-        <a:solidFill>
-          <a:schemeClr val="phClr"/>
-        </a:solidFill>
-        <a:gradFill rotWithShape="1">
-          <a:gsLst>
-            <a:gs pos="0">
-              <a:schemeClr val="phClr">
-                <a:tint val="40000"/>
-                <a:satMod val="350000"/>
-              </a:schemeClr>
-            </a:gs>
-            <a:gs pos="40000">
-              <a:schemeClr val="phClr">
-                <a:tint val="45000"/>
-                <a:shade val="99000"/>
-                <a:satMod val="350000"/>
-              </a:schemeClr>
-            </a:gs>
-            <a:gs pos="100000">
-              <a:schemeClr val="phClr">
-                <a:shade val="20000"/>
-                <a:satMod val="255000"/>
-              </a:schemeClr>
-            </a:gs>
-          </a:gsLst>
-          <a:path path="circle">
-            <a:fillToRect l="50000" t="-80000" r="50000" b="180000"/>
-          </a:path>
-        </a:gradFill>
-        <a:gradFill rotWithShape="1">
-          <a:gsLst>
-            <a:gs pos="0">
-              <a:schemeClr val="phClr">
-                <a:tint val="80000"/>
-                <a:satMod val="300000"/>
-              </a:schemeClr>
-            </a:gs>
-            <a:gs pos="100000">
-              <a:schemeClr val="phClr">
-                <a:shade val="30000"/>
-                <a:satMod val="200000"/>
-              </a:schemeClr>
-            </a:gs>
-          </a:gsLst>
-          <a:path path="circle">
-            <a:fillToRect l="50000" t="50000" r="50000" b="50000"/>
-          </a:path>
-        </a:gradFill>
-      </a:bgFillStyleLst>
-    </a:fmtScheme>
-  </a:themeElements>
-</a:theme>
 </file>